--- a/Documentation/end_semester1.pptx
+++ b/Documentation/end_semester1.pptx
@@ -114,7 +114,16 @@
       </a:defRPr>
     </a:lvl9pPr>
   </p:defaultTextStyle>
+  <p:extLst>
+    <p:ext uri="{EFAFB233-063F-42B5-8137-9DF3F51BA10A}">
+      <p15:sldGuideLst xmlns:p15="http://schemas.microsoft.com/office/powerpoint/2012/main"/>
+    </p:ext>
+  </p:extLst>
 </p:presentation>
+</file>
+
+<file path=ppt/revisionInfo.xml><?xml version="1.0" encoding="utf-8"?>
+<p1510:revInfo xmlns:a="http://schemas.openxmlformats.org/drawingml/2006/main" xmlns:r="http://schemas.openxmlformats.org/officeDocument/2006/relationships" xmlns:p1510="http://schemas.microsoft.com/office/powerpoint/2015/10/main"/>
 </file>
 
 <file path=ppt/slideLayouts/slideLayout1.xml><?xml version="1.0" encoding="utf-8"?>
@@ -159,7 +168,7 @@
           </a:lstStyle>
           <a:p>
             <a:r>
-              <a:rPr lang="en-US" smtClean="0"/>
+              <a:rPr lang="en-US"/>
               <a:t>Click to edit Master title style</a:t>
             </a:r>
             <a:endParaRPr lang="he-IL"/>
@@ -224,7 +233,7 @@
           </a:lstStyle>
           <a:p>
             <a:r>
-              <a:rPr lang="en-US" smtClean="0"/>
+              <a:rPr lang="en-US"/>
               <a:t>Click to edit Master subtitle style</a:t>
             </a:r>
             <a:endParaRPr lang="he-IL"/>
@@ -248,7 +257,7 @@
           <a:p>
             <a:fld id="{B1582BF0-4057-43AC-883A-75FA3525D814}" type="datetimeFigureOut">
               <a:rPr lang="he-IL" smtClean="0"/>
-              <a:t>א'/שבט/תשע"ח</a:t>
+              <a:t>ב'/שבט/תשע"ח</a:t>
             </a:fld>
             <a:endParaRPr lang="he-IL"/>
           </a:p>
@@ -342,7 +351,7 @@
           <a:lstStyle/>
           <a:p>
             <a:r>
-              <a:rPr lang="en-US" smtClean="0"/>
+              <a:rPr lang="en-US"/>
               <a:t>Click to edit Master title style</a:t>
             </a:r>
             <a:endParaRPr lang="he-IL"/>
@@ -366,35 +375,35 @@
           <a:p>
             <a:pPr lvl="0"/>
             <a:r>
-              <a:rPr lang="en-US" smtClean="0"/>
+              <a:rPr lang="en-US"/>
               <a:t>Click to edit Master text styles</a:t>
             </a:r>
           </a:p>
           <a:p>
             <a:pPr lvl="1"/>
             <a:r>
-              <a:rPr lang="en-US" smtClean="0"/>
+              <a:rPr lang="en-US"/>
               <a:t>Second level</a:t>
             </a:r>
           </a:p>
           <a:p>
             <a:pPr lvl="2"/>
             <a:r>
-              <a:rPr lang="en-US" smtClean="0"/>
+              <a:rPr lang="en-US"/>
               <a:t>Third level</a:t>
             </a:r>
           </a:p>
           <a:p>
             <a:pPr lvl="3"/>
             <a:r>
-              <a:rPr lang="en-US" smtClean="0"/>
+              <a:rPr lang="en-US"/>
               <a:t>Fourth level</a:t>
             </a:r>
           </a:p>
           <a:p>
             <a:pPr lvl="4"/>
             <a:r>
-              <a:rPr lang="en-US" smtClean="0"/>
+              <a:rPr lang="en-US"/>
               <a:t>Fifth level</a:t>
             </a:r>
             <a:endParaRPr lang="he-IL"/>
@@ -418,7 +427,7 @@
           <a:p>
             <a:fld id="{B1582BF0-4057-43AC-883A-75FA3525D814}" type="datetimeFigureOut">
               <a:rPr lang="he-IL" smtClean="0"/>
-              <a:t>א'/שבט/תשע"ח</a:t>
+              <a:t>ב'/שבט/תשע"ח</a:t>
             </a:fld>
             <a:endParaRPr lang="he-IL"/>
           </a:p>
@@ -517,7 +526,7 @@
           <a:lstStyle/>
           <a:p>
             <a:r>
-              <a:rPr lang="en-US" smtClean="0"/>
+              <a:rPr lang="en-US"/>
               <a:t>Click to edit Master title style</a:t>
             </a:r>
             <a:endParaRPr lang="he-IL"/>
@@ -546,35 +555,35 @@
           <a:p>
             <a:pPr lvl="0"/>
             <a:r>
-              <a:rPr lang="en-US" smtClean="0"/>
+              <a:rPr lang="en-US"/>
               <a:t>Click to edit Master text styles</a:t>
             </a:r>
           </a:p>
           <a:p>
             <a:pPr lvl="1"/>
             <a:r>
-              <a:rPr lang="en-US" smtClean="0"/>
+              <a:rPr lang="en-US"/>
               <a:t>Second level</a:t>
             </a:r>
           </a:p>
           <a:p>
             <a:pPr lvl="2"/>
             <a:r>
-              <a:rPr lang="en-US" smtClean="0"/>
+              <a:rPr lang="en-US"/>
               <a:t>Third level</a:t>
             </a:r>
           </a:p>
           <a:p>
             <a:pPr lvl="3"/>
             <a:r>
-              <a:rPr lang="en-US" smtClean="0"/>
+              <a:rPr lang="en-US"/>
               <a:t>Fourth level</a:t>
             </a:r>
           </a:p>
           <a:p>
             <a:pPr lvl="4"/>
             <a:r>
-              <a:rPr lang="en-US" smtClean="0"/>
+              <a:rPr lang="en-US"/>
               <a:t>Fifth level</a:t>
             </a:r>
             <a:endParaRPr lang="he-IL"/>
@@ -598,7 +607,7 @@
           <a:p>
             <a:fld id="{B1582BF0-4057-43AC-883A-75FA3525D814}" type="datetimeFigureOut">
               <a:rPr lang="he-IL" smtClean="0"/>
-              <a:t>א'/שבט/תשע"ח</a:t>
+              <a:t>ב'/שבט/תשע"ח</a:t>
             </a:fld>
             <a:endParaRPr lang="he-IL"/>
           </a:p>
@@ -692,7 +701,7 @@
           <a:lstStyle/>
           <a:p>
             <a:r>
-              <a:rPr lang="en-US" smtClean="0"/>
+              <a:rPr lang="en-US"/>
               <a:t>Click to edit Master title style</a:t>
             </a:r>
             <a:endParaRPr lang="he-IL"/>
@@ -716,35 +725,35 @@
           <a:p>
             <a:pPr lvl="0"/>
             <a:r>
-              <a:rPr lang="en-US" smtClean="0"/>
+              <a:rPr lang="en-US"/>
               <a:t>Click to edit Master text styles</a:t>
             </a:r>
           </a:p>
           <a:p>
             <a:pPr lvl="1"/>
             <a:r>
-              <a:rPr lang="en-US" smtClean="0"/>
+              <a:rPr lang="en-US"/>
               <a:t>Second level</a:t>
             </a:r>
           </a:p>
           <a:p>
             <a:pPr lvl="2"/>
             <a:r>
-              <a:rPr lang="en-US" smtClean="0"/>
+              <a:rPr lang="en-US"/>
               <a:t>Third level</a:t>
             </a:r>
           </a:p>
           <a:p>
             <a:pPr lvl="3"/>
             <a:r>
-              <a:rPr lang="en-US" smtClean="0"/>
+              <a:rPr lang="en-US"/>
               <a:t>Fourth level</a:t>
             </a:r>
           </a:p>
           <a:p>
             <a:pPr lvl="4"/>
             <a:r>
-              <a:rPr lang="en-US" smtClean="0"/>
+              <a:rPr lang="en-US"/>
               <a:t>Fifth level</a:t>
             </a:r>
             <a:endParaRPr lang="he-IL"/>
@@ -768,7 +777,7 @@
           <a:p>
             <a:fld id="{B1582BF0-4057-43AC-883A-75FA3525D814}" type="datetimeFigureOut">
               <a:rPr lang="he-IL" smtClean="0"/>
-              <a:t>א'/שבט/תשע"ח</a:t>
+              <a:t>ב'/שבט/תשע"ח</a:t>
             </a:fld>
             <a:endParaRPr lang="he-IL"/>
           </a:p>
@@ -871,7 +880,7 @@
           </a:lstStyle>
           <a:p>
             <a:r>
-              <a:rPr lang="en-US" smtClean="0"/>
+              <a:rPr lang="en-US"/>
               <a:t>Click to edit Master title style</a:t>
             </a:r>
             <a:endParaRPr lang="he-IL"/>
@@ -991,7 +1000,7 @@
           <a:p>
             <a:pPr lvl="0"/>
             <a:r>
-              <a:rPr lang="en-US" smtClean="0"/>
+              <a:rPr lang="en-US"/>
               <a:t>Click to edit Master text styles</a:t>
             </a:r>
           </a:p>
@@ -1014,7 +1023,7 @@
           <a:p>
             <a:fld id="{B1582BF0-4057-43AC-883A-75FA3525D814}" type="datetimeFigureOut">
               <a:rPr lang="he-IL" smtClean="0"/>
-              <a:t>א'/שבט/תשע"ח</a:t>
+              <a:t>ב'/שבט/תשע"ח</a:t>
             </a:fld>
             <a:endParaRPr lang="he-IL"/>
           </a:p>
@@ -1108,7 +1117,7 @@
           <a:lstStyle/>
           <a:p>
             <a:r>
-              <a:rPr lang="en-US" smtClean="0"/>
+              <a:rPr lang="en-US"/>
               <a:t>Click to edit Master title style</a:t>
             </a:r>
             <a:endParaRPr lang="he-IL"/>
@@ -1137,35 +1146,35 @@
           <a:p>
             <a:pPr lvl="0"/>
             <a:r>
-              <a:rPr lang="en-US" smtClean="0"/>
+              <a:rPr lang="en-US"/>
               <a:t>Click to edit Master text styles</a:t>
             </a:r>
           </a:p>
           <a:p>
             <a:pPr lvl="1"/>
             <a:r>
-              <a:rPr lang="en-US" smtClean="0"/>
+              <a:rPr lang="en-US"/>
               <a:t>Second level</a:t>
             </a:r>
           </a:p>
           <a:p>
             <a:pPr lvl="2"/>
             <a:r>
-              <a:rPr lang="en-US" smtClean="0"/>
+              <a:rPr lang="en-US"/>
               <a:t>Third level</a:t>
             </a:r>
           </a:p>
           <a:p>
             <a:pPr lvl="3"/>
             <a:r>
-              <a:rPr lang="en-US" smtClean="0"/>
+              <a:rPr lang="en-US"/>
               <a:t>Fourth level</a:t>
             </a:r>
           </a:p>
           <a:p>
             <a:pPr lvl="4"/>
             <a:r>
-              <a:rPr lang="en-US" smtClean="0"/>
+              <a:rPr lang="en-US"/>
               <a:t>Fifth level</a:t>
             </a:r>
             <a:endParaRPr lang="he-IL"/>
@@ -1194,35 +1203,35 @@
           <a:p>
             <a:pPr lvl="0"/>
             <a:r>
-              <a:rPr lang="en-US" smtClean="0"/>
+              <a:rPr lang="en-US"/>
               <a:t>Click to edit Master text styles</a:t>
             </a:r>
           </a:p>
           <a:p>
             <a:pPr lvl="1"/>
             <a:r>
-              <a:rPr lang="en-US" smtClean="0"/>
+              <a:rPr lang="en-US"/>
               <a:t>Second level</a:t>
             </a:r>
           </a:p>
           <a:p>
             <a:pPr lvl="2"/>
             <a:r>
-              <a:rPr lang="en-US" smtClean="0"/>
+              <a:rPr lang="en-US"/>
               <a:t>Third level</a:t>
             </a:r>
           </a:p>
           <a:p>
             <a:pPr lvl="3"/>
             <a:r>
-              <a:rPr lang="en-US" smtClean="0"/>
+              <a:rPr lang="en-US"/>
               <a:t>Fourth level</a:t>
             </a:r>
           </a:p>
           <a:p>
             <a:pPr lvl="4"/>
             <a:r>
-              <a:rPr lang="en-US" smtClean="0"/>
+              <a:rPr lang="en-US"/>
               <a:t>Fifth level</a:t>
             </a:r>
             <a:endParaRPr lang="he-IL"/>
@@ -1246,7 +1255,7 @@
           <a:p>
             <a:fld id="{B1582BF0-4057-43AC-883A-75FA3525D814}" type="datetimeFigureOut">
               <a:rPr lang="he-IL" smtClean="0"/>
-              <a:t>א'/שבט/תשע"ח</a:t>
+              <a:t>ב'/שבט/תשע"ח</a:t>
             </a:fld>
             <a:endParaRPr lang="he-IL"/>
           </a:p>
@@ -1345,7 +1354,7 @@
           <a:lstStyle/>
           <a:p>
             <a:r>
-              <a:rPr lang="en-US" smtClean="0"/>
+              <a:rPr lang="en-US"/>
               <a:t>Click to edit Master title style</a:t>
             </a:r>
             <a:endParaRPr lang="he-IL"/>
@@ -1411,7 +1420,7 @@
           <a:p>
             <a:pPr lvl="0"/>
             <a:r>
-              <a:rPr lang="en-US" smtClean="0"/>
+              <a:rPr lang="en-US"/>
               <a:t>Click to edit Master text styles</a:t>
             </a:r>
           </a:p>
@@ -1439,35 +1448,35 @@
           <a:p>
             <a:pPr lvl="0"/>
             <a:r>
-              <a:rPr lang="en-US" smtClean="0"/>
+              <a:rPr lang="en-US"/>
               <a:t>Click to edit Master text styles</a:t>
             </a:r>
           </a:p>
           <a:p>
             <a:pPr lvl="1"/>
             <a:r>
-              <a:rPr lang="en-US" smtClean="0"/>
+              <a:rPr lang="en-US"/>
               <a:t>Second level</a:t>
             </a:r>
           </a:p>
           <a:p>
             <a:pPr lvl="2"/>
             <a:r>
-              <a:rPr lang="en-US" smtClean="0"/>
+              <a:rPr lang="en-US"/>
               <a:t>Third level</a:t>
             </a:r>
           </a:p>
           <a:p>
             <a:pPr lvl="3"/>
             <a:r>
-              <a:rPr lang="en-US" smtClean="0"/>
+              <a:rPr lang="en-US"/>
               <a:t>Fourth level</a:t>
             </a:r>
           </a:p>
           <a:p>
             <a:pPr lvl="4"/>
             <a:r>
-              <a:rPr lang="en-US" smtClean="0"/>
+              <a:rPr lang="en-US"/>
               <a:t>Fifth level</a:t>
             </a:r>
             <a:endParaRPr lang="he-IL"/>
@@ -1533,7 +1542,7 @@
           <a:p>
             <a:pPr lvl="0"/>
             <a:r>
-              <a:rPr lang="en-US" smtClean="0"/>
+              <a:rPr lang="en-US"/>
               <a:t>Click to edit Master text styles</a:t>
             </a:r>
           </a:p>
@@ -1561,35 +1570,35 @@
           <a:p>
             <a:pPr lvl="0"/>
             <a:r>
-              <a:rPr lang="en-US" smtClean="0"/>
+              <a:rPr lang="en-US"/>
               <a:t>Click to edit Master text styles</a:t>
             </a:r>
           </a:p>
           <a:p>
             <a:pPr lvl="1"/>
             <a:r>
-              <a:rPr lang="en-US" smtClean="0"/>
+              <a:rPr lang="en-US"/>
               <a:t>Second level</a:t>
             </a:r>
           </a:p>
           <a:p>
             <a:pPr lvl="2"/>
             <a:r>
-              <a:rPr lang="en-US" smtClean="0"/>
+              <a:rPr lang="en-US"/>
               <a:t>Third level</a:t>
             </a:r>
           </a:p>
           <a:p>
             <a:pPr lvl="3"/>
             <a:r>
-              <a:rPr lang="en-US" smtClean="0"/>
+              <a:rPr lang="en-US"/>
               <a:t>Fourth level</a:t>
             </a:r>
           </a:p>
           <a:p>
             <a:pPr lvl="4"/>
             <a:r>
-              <a:rPr lang="en-US" smtClean="0"/>
+              <a:rPr lang="en-US"/>
               <a:t>Fifth level</a:t>
             </a:r>
             <a:endParaRPr lang="he-IL"/>
@@ -1613,7 +1622,7 @@
           <a:p>
             <a:fld id="{B1582BF0-4057-43AC-883A-75FA3525D814}" type="datetimeFigureOut">
               <a:rPr lang="he-IL" smtClean="0"/>
-              <a:t>א'/שבט/תשע"ח</a:t>
+              <a:t>ב'/שבט/תשע"ח</a:t>
             </a:fld>
             <a:endParaRPr lang="he-IL"/>
           </a:p>
@@ -1707,7 +1716,7 @@
           <a:lstStyle/>
           <a:p>
             <a:r>
-              <a:rPr lang="en-US" smtClean="0"/>
+              <a:rPr lang="en-US"/>
               <a:t>Click to edit Master title style</a:t>
             </a:r>
             <a:endParaRPr lang="he-IL"/>
@@ -1731,7 +1740,7 @@
           <a:p>
             <a:fld id="{B1582BF0-4057-43AC-883A-75FA3525D814}" type="datetimeFigureOut">
               <a:rPr lang="he-IL" smtClean="0"/>
-              <a:t>א'/שבט/תשע"ח</a:t>
+              <a:t>ב'/שבט/תשע"ח</a:t>
             </a:fld>
             <a:endParaRPr lang="he-IL"/>
           </a:p>
@@ -1826,7 +1835,7 @@
           <a:p>
             <a:fld id="{B1582BF0-4057-43AC-883A-75FA3525D814}" type="datetimeFigureOut">
               <a:rPr lang="he-IL" smtClean="0"/>
-              <a:t>א'/שבט/תשע"ח</a:t>
+              <a:t>ב'/שבט/תשע"ח</a:t>
             </a:fld>
             <a:endParaRPr lang="he-IL"/>
           </a:p>
@@ -1929,7 +1938,7 @@
           </a:lstStyle>
           <a:p>
             <a:r>
-              <a:rPr lang="en-US" smtClean="0"/>
+              <a:rPr lang="en-US"/>
               <a:t>Click to edit Master title style</a:t>
             </a:r>
             <a:endParaRPr lang="he-IL"/>
@@ -1986,35 +1995,35 @@
           <a:p>
             <a:pPr lvl="0"/>
             <a:r>
-              <a:rPr lang="en-US" smtClean="0"/>
+              <a:rPr lang="en-US"/>
               <a:t>Click to edit Master text styles</a:t>
             </a:r>
           </a:p>
           <a:p>
             <a:pPr lvl="1"/>
             <a:r>
-              <a:rPr lang="en-US" smtClean="0"/>
+              <a:rPr lang="en-US"/>
               <a:t>Second level</a:t>
             </a:r>
           </a:p>
           <a:p>
             <a:pPr lvl="2"/>
             <a:r>
-              <a:rPr lang="en-US" smtClean="0"/>
+              <a:rPr lang="en-US"/>
               <a:t>Third level</a:t>
             </a:r>
           </a:p>
           <a:p>
             <a:pPr lvl="3"/>
             <a:r>
-              <a:rPr lang="en-US" smtClean="0"/>
+              <a:rPr lang="en-US"/>
               <a:t>Fourth level</a:t>
             </a:r>
           </a:p>
           <a:p>
             <a:pPr lvl="4"/>
             <a:r>
-              <a:rPr lang="en-US" smtClean="0"/>
+              <a:rPr lang="en-US"/>
               <a:t>Fifth level</a:t>
             </a:r>
             <a:endParaRPr lang="he-IL"/>
@@ -2080,7 +2089,7 @@
           <a:p>
             <a:pPr lvl="0"/>
             <a:r>
-              <a:rPr lang="en-US" smtClean="0"/>
+              <a:rPr lang="en-US"/>
               <a:t>Click to edit Master text styles</a:t>
             </a:r>
           </a:p>
@@ -2103,7 +2112,7 @@
           <a:p>
             <a:fld id="{B1582BF0-4057-43AC-883A-75FA3525D814}" type="datetimeFigureOut">
               <a:rPr lang="he-IL" smtClean="0"/>
-              <a:t>א'/שבט/תשע"ח</a:t>
+              <a:t>ב'/שבט/תשע"ח</a:t>
             </a:fld>
             <a:endParaRPr lang="he-IL"/>
           </a:p>
@@ -2206,7 +2215,7 @@
           </a:lstStyle>
           <a:p>
             <a:r>
-              <a:rPr lang="en-US" smtClean="0"/>
+              <a:rPr lang="en-US"/>
               <a:t>Click to edit Master title style</a:t>
             </a:r>
             <a:endParaRPr lang="he-IL"/>
@@ -2333,7 +2342,7 @@
           <a:p>
             <a:pPr lvl="0"/>
             <a:r>
-              <a:rPr lang="en-US" smtClean="0"/>
+              <a:rPr lang="en-US"/>
               <a:t>Click to edit Master text styles</a:t>
             </a:r>
           </a:p>
@@ -2356,7 +2365,7 @@
           <a:p>
             <a:fld id="{B1582BF0-4057-43AC-883A-75FA3525D814}" type="datetimeFigureOut">
               <a:rPr lang="he-IL" smtClean="0"/>
-              <a:t>א'/שבט/תשע"ח</a:t>
+              <a:t>ב'/שבט/תשע"ח</a:t>
             </a:fld>
             <a:endParaRPr lang="he-IL"/>
           </a:p>
@@ -2465,7 +2474,7 @@
           <a:lstStyle/>
           <a:p>
             <a:r>
-              <a:rPr lang="en-US" smtClean="0"/>
+              <a:rPr lang="en-US"/>
               <a:t>Click to edit Master title style</a:t>
             </a:r>
             <a:endParaRPr lang="he-IL"/>
@@ -2499,35 +2508,35 @@
           <a:p>
             <a:pPr lvl="0"/>
             <a:r>
-              <a:rPr lang="en-US" smtClean="0"/>
+              <a:rPr lang="en-US"/>
               <a:t>Click to edit Master text styles</a:t>
             </a:r>
           </a:p>
           <a:p>
             <a:pPr lvl="1"/>
             <a:r>
-              <a:rPr lang="en-US" smtClean="0"/>
+              <a:rPr lang="en-US"/>
               <a:t>Second level</a:t>
             </a:r>
           </a:p>
           <a:p>
             <a:pPr lvl="2"/>
             <a:r>
-              <a:rPr lang="en-US" smtClean="0"/>
+              <a:rPr lang="en-US"/>
               <a:t>Third level</a:t>
             </a:r>
           </a:p>
           <a:p>
             <a:pPr lvl="3"/>
             <a:r>
-              <a:rPr lang="en-US" smtClean="0"/>
+              <a:rPr lang="en-US"/>
               <a:t>Fourth level</a:t>
             </a:r>
           </a:p>
           <a:p>
             <a:pPr lvl="4"/>
             <a:r>
-              <a:rPr lang="en-US" smtClean="0"/>
+              <a:rPr lang="en-US"/>
               <a:t>Fifth level</a:t>
             </a:r>
             <a:endParaRPr lang="he-IL"/>
@@ -2569,7 +2578,7 @@
           <a:p>
             <a:fld id="{B1582BF0-4057-43AC-883A-75FA3525D814}" type="datetimeFigureOut">
               <a:rPr lang="he-IL" smtClean="0"/>
-              <a:t>א'/שבט/תשע"ח</a:t>
+              <a:t>ב'/שבט/תשע"ח</a:t>
             </a:fld>
             <a:endParaRPr lang="he-IL"/>
           </a:p>
@@ -3068,7 +3077,7 @@
           </a:lstStyle>
           <a:p>
             <a:r>
-              <a:rPr lang="en-US" sz="8800" b="1" dirty="0" smtClean="0">
+              <a:rPr lang="en-US" sz="8800" b="1" dirty="0">
                 <a:ln w="18000">
                   <a:solidFill>
                     <a:schemeClr val="accent2">
@@ -3364,7 +3373,7 @@
           <a:lstStyle/>
           <a:p>
             <a:r>
-              <a:rPr lang="en-US" u="sng" dirty="0" smtClean="0"/>
+              <a:rPr lang="en-US" u="sng" dirty="0"/>
               <a:t>Next steps</a:t>
             </a:r>
             <a:endParaRPr lang="he-IL" u="sng" dirty="0"/>
@@ -3398,7 +3407,7 @@
               <a:buChar char="•"/>
             </a:pPr>
             <a:r>
-              <a:rPr lang="en-US" dirty="0" smtClean="0"/>
+              <a:rPr lang="en-US" dirty="0"/>
               <a:t> NFC</a:t>
             </a:r>
           </a:p>
@@ -3408,7 +3417,7 @@
               <a:buChar char="•"/>
             </a:pPr>
             <a:r>
-              <a:rPr lang="en-US" dirty="0" smtClean="0"/>
+              <a:rPr lang="en-US" dirty="0"/>
               <a:t>Adjustment for phone</a:t>
             </a:r>
           </a:p>
@@ -3418,7 +3427,7 @@
               <a:buChar char="•"/>
             </a:pPr>
             <a:r>
-              <a:rPr lang="en-US" dirty="0" smtClean="0"/>
+              <a:rPr lang="en-US" dirty="0"/>
               <a:t>Integration with google calendar</a:t>
             </a:r>
           </a:p>
@@ -3428,7 +3437,7 @@
               <a:buChar char="•"/>
             </a:pPr>
             <a:r>
-              <a:rPr lang="en-US" dirty="0" smtClean="0"/>
+              <a:rPr lang="en-US" dirty="0"/>
               <a:t>More warnings about the exceptions in the program</a:t>
             </a:r>
           </a:p>
@@ -3438,38 +3447,38 @@
               <a:buChar char="•"/>
             </a:pPr>
             <a:r>
-              <a:rPr lang="en-US" dirty="0" smtClean="0"/>
+              <a:rPr lang="en-US" dirty="0"/>
               <a:t>Show simulation in gui</a:t>
             </a:r>
-            <a:endParaRPr lang="he-IL" dirty="0" smtClean="0"/>
+            <a:endParaRPr lang="he-IL" dirty="0"/>
           </a:p>
           <a:p>
             <a:pPr marL="342900" indent="-342900" algn="l" rtl="0">
               <a:buFont typeface="Arial" panose="020B0604020202020204" pitchFamily="34" charset="0"/>
               <a:buChar char="•"/>
             </a:pPr>
-            <a:endParaRPr lang="en-US" dirty="0" smtClean="0"/>
+            <a:endParaRPr lang="en-US" dirty="0"/>
           </a:p>
           <a:p>
             <a:pPr marL="342900" indent="-342900" algn="l" rtl="0">
               <a:buFont typeface="Arial" panose="020B0604020202020204" pitchFamily="34" charset="0"/>
               <a:buChar char="•"/>
             </a:pPr>
-            <a:endParaRPr lang="en-US" dirty="0" smtClean="0"/>
+            <a:endParaRPr lang="en-US" dirty="0"/>
           </a:p>
           <a:p>
             <a:pPr marL="342900" indent="-342900" algn="l" rtl="0">
               <a:buFont typeface="Arial" panose="020B0604020202020204" pitchFamily="34" charset="0"/>
               <a:buChar char="•"/>
             </a:pPr>
-            <a:endParaRPr lang="en-US" dirty="0" smtClean="0"/>
+            <a:endParaRPr lang="en-US" dirty="0"/>
           </a:p>
           <a:p>
             <a:pPr marL="342900" indent="-342900" algn="l" rtl="0">
               <a:buFont typeface="Arial" panose="020B0604020202020204" pitchFamily="34" charset="0"/>
               <a:buChar char="•"/>
             </a:pPr>
-            <a:endParaRPr lang="en-US" dirty="0" smtClean="0"/>
+            <a:endParaRPr lang="en-US" dirty="0"/>
           </a:p>
         </p:txBody>
       </p:sp>
@@ -3513,13 +3522,6 @@
   <p:clrMapOvr>
     <a:masterClrMapping/>
   </p:clrMapOvr>
-  <p:timing>
-    <p:tnLst>
-      <p:par>
-        <p:cTn id="1" dur="indefinite" restart="never" nodeType="tmRoot"/>
-      </p:par>
-    </p:tnLst>
-  </p:timing>
 </p:sld>
 </file>
 
@@ -3573,20 +3575,20 @@
           </a:bodyPr>
           <a:lstStyle/>
           <a:p>
-            <a:endParaRPr lang="en-US" sz="6000" dirty="0" smtClean="0"/>
-          </a:p>
-          <a:p>
             <a:endParaRPr lang="en-US" sz="6000" dirty="0"/>
           </a:p>
           <a:p>
-            <a:endParaRPr lang="en-US" sz="6000" dirty="0" smtClean="0"/>
-          </a:p>
-          <a:p>
             <a:endParaRPr lang="en-US" sz="6000" dirty="0"/>
           </a:p>
           <a:p>
-            <a:r>
-              <a:rPr lang="en-US" sz="6000" dirty="0" smtClean="0"/>
+            <a:endParaRPr lang="en-US" sz="6000" dirty="0"/>
+          </a:p>
+          <a:p>
+            <a:endParaRPr lang="en-US" sz="6000" dirty="0"/>
+          </a:p>
+          <a:p>
+            <a:r>
+              <a:rPr lang="en-US" sz="6000" dirty="0"/>
               <a:t>Thanks for listening!</a:t>
             </a:r>
           </a:p>
@@ -3632,13 +3634,6 @@
   <p:clrMapOvr>
     <a:masterClrMapping/>
   </p:clrMapOvr>
-  <p:timing>
-    <p:tnLst>
-      <p:par>
-        <p:cTn id="1" dur="indefinite" restart="never" nodeType="tmRoot"/>
-      </p:par>
-    </p:tnLst>
-  </p:timing>
 </p:sld>
 </file>
 
@@ -3694,7 +3689,7 @@
           <a:p>
             <a:pPr algn="ctr" rtl="0"/>
             <a:r>
-              <a:rPr lang="en-US" sz="5400" u="sng" dirty="0" smtClean="0">
+              <a:rPr lang="en-US" sz="5400" u="sng" dirty="0">
                 <a:solidFill>
                   <a:schemeClr val="tx1"/>
                 </a:solidFill>
@@ -3703,7 +3698,7 @@
               <a:t>Participants</a:t>
             </a:r>
             <a:r>
-              <a:rPr lang="en-US" sz="5400" dirty="0" smtClean="0">
+              <a:rPr lang="en-US" sz="5400" dirty="0">
                 <a:solidFill>
                   <a:schemeClr val="tx1"/>
                 </a:solidFill>
@@ -3757,14 +3752,14 @@
           <a:p>
             <a:pPr algn="ctr"/>
             <a:r>
-              <a:rPr lang="en-US" dirty="0" smtClean="0"/>
+              <a:rPr lang="en-US" dirty="0"/>
               <a:t>Advisor:</a:t>
             </a:r>
             <a:br>
-              <a:rPr lang="en-US" dirty="0" smtClean="0"/>
+              <a:rPr lang="en-US" dirty="0"/>
             </a:br>
             <a:r>
-              <a:rPr lang="en-US" dirty="0" smtClean="0"/>
+              <a:rPr lang="en-US" dirty="0"/>
               <a:t>Tom Palny</a:t>
             </a:r>
             <a:endParaRPr lang="he-IL" dirty="0"/>
@@ -3814,7 +3809,7 @@
           <a:p>
             <a:pPr algn="ctr"/>
             <a:r>
-              <a:rPr lang="en-US" dirty="0" smtClean="0">
+              <a:rPr lang="en-US" dirty="0">
                 <a:solidFill>
                   <a:schemeClr val="tx1"/>
                 </a:solidFill>
@@ -3872,14 +3867,14 @@
           <a:p>
             <a:pPr algn="l"/>
             <a:r>
-              <a:rPr lang="en-US" dirty="0" smtClean="0">
+              <a:rPr lang="en-US" dirty="0">
                 <a:solidFill>
                   <a:schemeClr val="tx1"/>
                 </a:solidFill>
               </a:rPr>
               <a:t>Yarin Ozery </a:t>
             </a:r>
-            <a:endParaRPr lang="he-IL" dirty="0" smtClean="0">
+            <a:endParaRPr lang="he-IL" dirty="0">
               <a:solidFill>
                 <a:schemeClr val="tx1"/>
               </a:solidFill>
@@ -3930,18 +3925,13 @@
           <a:p>
             <a:pPr algn="l"/>
             <a:r>
-              <a:rPr lang="en-US" dirty="0" smtClean="0">
+              <a:rPr lang="en-US" dirty="0">
                 <a:solidFill>
                   <a:schemeClr val="tx1"/>
                 </a:solidFill>
               </a:rPr>
               <a:t>Elyasaf Boim</a:t>
             </a:r>
-            <a:endParaRPr lang="en-US" dirty="0" smtClean="0">
-              <a:solidFill>
-                <a:schemeClr val="tx1"/>
-              </a:solidFill>
-            </a:endParaRPr>
           </a:p>
         </p:txBody>
       </p:sp>
@@ -3988,18 +3978,13 @@
           <a:p>
             <a:pPr algn="l" rtl="0"/>
             <a:r>
-              <a:rPr lang="en-US" dirty="0" smtClean="0">
+              <a:rPr lang="en-US" dirty="0">
                 <a:solidFill>
                   <a:schemeClr val="tx1"/>
                 </a:solidFill>
               </a:rPr>
               <a:t>Aviad Rozenknof</a:t>
             </a:r>
-            <a:endParaRPr lang="en-US" dirty="0">
-              <a:solidFill>
-                <a:schemeClr val="tx1"/>
-              </a:solidFill>
-            </a:endParaRPr>
           </a:p>
         </p:txBody>
       </p:sp>
@@ -4046,7 +4031,7 @@
           <a:p>
             <a:pPr algn="ctr"/>
             <a:r>
-              <a:rPr lang="en-US" dirty="0" smtClean="0">
+              <a:rPr lang="en-US" dirty="0">
                 <a:solidFill>
                   <a:schemeClr val="tx1"/>
                 </a:solidFill>
@@ -4104,14 +4089,14 @@
           <a:p>
             <a:pPr algn="l"/>
             <a:r>
-              <a:rPr lang="en-US" dirty="0" smtClean="0">
+              <a:rPr lang="en-US" dirty="0">
                 <a:solidFill>
                   <a:schemeClr val="tx1"/>
                 </a:solidFill>
               </a:rPr>
               <a:t>Koby Brandes</a:t>
             </a:r>
-            <a:endParaRPr lang="he-IL" dirty="0" smtClean="0">
+            <a:endParaRPr lang="he-IL" dirty="0">
               <a:solidFill>
                 <a:schemeClr val="tx1"/>
               </a:solidFill>
@@ -4327,13 +4312,6 @@
   <p:clrMapOvr>
     <a:masterClrMapping/>
   </p:clrMapOvr>
-  <p:timing>
-    <p:tnLst>
-      <p:par>
-        <p:cTn id="1" dur="indefinite" restart="never" nodeType="tmRoot"/>
-      </p:par>
-    </p:tnLst>
-  </p:timing>
 </p:sld>
 </file>
 
@@ -4388,7 +4366,7 @@
           <a:lstStyle/>
           <a:p>
             <a:r>
-              <a:rPr lang="en-US" u="sng" dirty="0" smtClean="0"/>
+              <a:rPr lang="en-US" u="sng" dirty="0"/>
               <a:t>The problem</a:t>
             </a:r>
             <a:endParaRPr lang="he-IL" u="sng" dirty="0"/>
@@ -4422,7 +4400,7 @@
               <a:buChar char="•"/>
             </a:pPr>
             <a:r>
-              <a:rPr lang="en-US" dirty="0" smtClean="0"/>
+              <a:rPr lang="en-US" dirty="0"/>
               <a:t>Imagine that you have a big factory. </a:t>
             </a:r>
           </a:p>
@@ -4432,7 +4410,7 @@
               <a:buChar char="•"/>
             </a:pPr>
             <a:r>
-              <a:rPr lang="en-US" dirty="0" smtClean="0"/>
+              <a:rPr lang="en-US" dirty="0"/>
               <a:t>In the factory there are hundreds of rooms, and hundreds of workers.</a:t>
             </a:r>
           </a:p>
@@ -4442,7 +4420,7 @@
               <a:buChar char="•"/>
             </a:pPr>
             <a:r>
-              <a:rPr lang="en-US" dirty="0" smtClean="0"/>
+              <a:rPr lang="en-US" dirty="0"/>
               <a:t>Each employee has access permission to some rooms.</a:t>
             </a:r>
           </a:p>
@@ -4452,7 +4430,7 @@
               <a:buChar char="•"/>
             </a:pPr>
             <a:r>
-              <a:rPr lang="en-US" dirty="0" smtClean="0"/>
+              <a:rPr lang="en-US" dirty="0"/>
               <a:t>Each room has a minimum required access permission level.</a:t>
             </a:r>
           </a:p>
@@ -4462,7 +4440,7 @@
               <a:buChar char="•"/>
             </a:pPr>
             <a:r>
-              <a:rPr lang="en-US" dirty="0" smtClean="0"/>
+              <a:rPr lang="en-US" dirty="0"/>
               <a:t>In addition, each employee is able to order rooms to specific date and amount of guests. </a:t>
             </a:r>
           </a:p>
@@ -4472,21 +4450,21 @@
               <a:buChar char="•"/>
             </a:pPr>
             <a:r>
-              <a:rPr lang="en-US" b="1" i="1" dirty="0" smtClean="0"/>
+              <a:rPr lang="en-US" b="1" i="1" dirty="0"/>
               <a:t>How would you schedule the employees in the factory in order to avoid loads? </a:t>
             </a:r>
           </a:p>
           <a:p>
             <a:pPr algn="l" rtl="0"/>
             <a:r>
-              <a:rPr lang="en-US" dirty="0" smtClean="0"/>
+              <a:rPr lang="en-US" dirty="0"/>
               <a:t> </a:t>
             </a:r>
-            <a:endParaRPr lang="he-IL" dirty="0" smtClean="0"/>
+            <a:endParaRPr lang="he-IL" dirty="0"/>
           </a:p>
           <a:p>
             <a:pPr algn="l"/>
-            <a:endParaRPr lang="he-IL" dirty="0" smtClean="0"/>
+            <a:endParaRPr lang="he-IL" dirty="0"/>
           </a:p>
           <a:p>
             <a:endParaRPr lang="he-IL" dirty="0"/>
@@ -4533,13 +4511,6 @@
   <p:clrMapOvr>
     <a:masterClrMapping/>
   </p:clrMapOvr>
-  <p:timing>
-    <p:tnLst>
-      <p:par>
-        <p:cTn id="1" dur="indefinite" restart="never" nodeType="tmRoot"/>
-      </p:par>
-    </p:tnLst>
-  </p:timing>
 </p:sld>
 </file>
 
@@ -4595,7 +4566,7 @@
           <a:p>
             <a:pPr algn="ctr"/>
             <a:r>
-              <a:rPr lang="en-US" sz="5400" u="sng" dirty="0" smtClean="0">
+              <a:rPr lang="en-US" sz="5400" u="sng" dirty="0">
                 <a:solidFill>
                   <a:schemeClr val="tx1"/>
                 </a:solidFill>
@@ -4706,13 +4677,6 @@
   <p:clrMapOvr>
     <a:masterClrMapping/>
   </p:clrMapOvr>
-  <p:timing>
-    <p:tnLst>
-      <p:par>
-        <p:cTn id="1" dur="indefinite" restart="never" nodeType="tmRoot"/>
-      </p:par>
-    </p:tnLst>
-  </p:timing>
 </p:sld>
 </file>
 
@@ -4767,7 +4731,7 @@
           <a:lstStyle/>
           <a:p>
             <a:r>
-              <a:rPr lang="en-US" u="sng" dirty="0" smtClean="0"/>
+              <a:rPr lang="en-US" u="sng" dirty="0"/>
               <a:t>Solution</a:t>
             </a:r>
             <a:endParaRPr lang="he-IL" u="sng" dirty="0"/>
@@ -4801,7 +4765,7 @@
               <a:buChar char="•"/>
             </a:pPr>
             <a:r>
-              <a:rPr lang="en-US" dirty="0" smtClean="0"/>
+              <a:rPr lang="en-US" dirty="0"/>
               <a:t>User can insert file of his weekly schedule. He needs to insert the date, hours and id of all the other employees who are going to participate in the meeting. In addition he can insert some constraints such as max capacity in rooms.</a:t>
             </a:r>
           </a:p>
@@ -4811,7 +4775,7 @@
               <a:buChar char="•"/>
             </a:pPr>
             <a:r>
-              <a:rPr lang="en-US" dirty="0" smtClean="0"/>
+              <a:rPr lang="en-US" dirty="0"/>
               <a:t>User can get room recommendation for himself for small amount of time (usually one hour). Mostly used for unexpected events.</a:t>
             </a:r>
           </a:p>
@@ -4821,7 +4785,7 @@
               <a:buChar char="•"/>
             </a:pPr>
             <a:r>
-              <a:rPr lang="en-US" dirty="0" smtClean="0"/>
+              <a:rPr lang="en-US" dirty="0"/>
               <a:t>The manager can do a simulation which will help him decide if he should do some changes in the structure of factory. For example, it allows him to see in a convenient way if there are some rooms which are too crowded, or too empty (so he can decide if he should build another rooms).</a:t>
             </a:r>
           </a:p>
@@ -4830,21 +4794,21 @@
               <a:buFont typeface="Arial" panose="020B0604020202020204" pitchFamily="34" charset="0"/>
               <a:buChar char="•"/>
             </a:pPr>
-            <a:endParaRPr lang="en-US" dirty="0" smtClean="0"/>
+            <a:endParaRPr lang="en-US" dirty="0"/>
           </a:p>
           <a:p>
             <a:pPr marL="342900" indent="-342900" algn="l" rtl="0">
               <a:buFont typeface="Arial" panose="020B0604020202020204" pitchFamily="34" charset="0"/>
               <a:buChar char="•"/>
             </a:pPr>
-            <a:endParaRPr lang="en-US" dirty="0" smtClean="0"/>
+            <a:endParaRPr lang="en-US" dirty="0"/>
           </a:p>
           <a:p>
             <a:pPr marL="342900" indent="-342900" algn="l" rtl="0">
               <a:buFont typeface="Arial" panose="020B0604020202020204" pitchFamily="34" charset="0"/>
               <a:buChar char="•"/>
             </a:pPr>
-            <a:endParaRPr lang="en-US" dirty="0" smtClean="0"/>
+            <a:endParaRPr lang="en-US" dirty="0"/>
           </a:p>
           <a:p>
             <a:pPr marL="342900" indent="-342900" algn="l" rtl="0">
@@ -4895,13 +4859,6 @@
   <p:clrMapOvr>
     <a:masterClrMapping/>
   </p:clrMapOvr>
-  <p:timing>
-    <p:tnLst>
-      <p:par>
-        <p:cTn id="1" dur="indefinite" restart="never" nodeType="tmRoot"/>
-      </p:par>
-    </p:tnLst>
-  </p:timing>
 </p:sld>
 </file>
 
@@ -4956,7 +4913,7 @@
           <a:lstStyle/>
           <a:p>
             <a:r>
-              <a:rPr lang="en-US" u="sng" dirty="0" smtClean="0"/>
+              <a:rPr lang="en-US" u="sng" dirty="0"/>
               <a:t>The tools</a:t>
             </a:r>
             <a:endParaRPr lang="he-IL" u="sng" dirty="0"/>
@@ -4988,7 +4945,7 @@
               <a:buChar char="•"/>
             </a:pPr>
             <a:r>
-              <a:rPr lang="en-US" dirty="0" smtClean="0"/>
+              <a:rPr lang="en-US" dirty="0"/>
               <a:t>Flask</a:t>
             </a:r>
           </a:p>
@@ -4998,7 +4955,7 @@
               <a:buChar char="•"/>
             </a:pPr>
             <a:r>
-              <a:rPr lang="en-US" dirty="0" smtClean="0"/>
+              <a:rPr lang="en-US" dirty="0"/>
               <a:t>Bootstrap</a:t>
             </a:r>
           </a:p>
@@ -5008,10 +4965,10 @@
               <a:buChar char="•"/>
             </a:pPr>
             <a:r>
-              <a:rPr lang="en-US" dirty="0" err="1" smtClean="0"/>
+              <a:rPr lang="en-US" dirty="0" err="1"/>
               <a:t>MongoDb</a:t>
             </a:r>
-            <a:endParaRPr lang="en-US" dirty="0" smtClean="0"/>
+            <a:endParaRPr lang="en-US" dirty="0"/>
           </a:p>
           <a:p>
             <a:pPr marL="342900" indent="-342900" algn="l" rtl="0">
@@ -5092,13 +5049,6 @@
   <p:clrMapOvr>
     <a:masterClrMapping/>
   </p:clrMapOvr>
-  <p:timing>
-    <p:tnLst>
-      <p:par>
-        <p:cTn id="1" dur="indefinite" restart="never" nodeType="tmRoot"/>
-      </p:par>
-    </p:tnLst>
-  </p:timing>
 </p:sld>
 </file>
 
@@ -5151,7 +5101,7 @@
           <a:lstStyle/>
           <a:p>
             <a:r>
-              <a:rPr lang="en-US" dirty="0" smtClean="0"/>
+              <a:rPr lang="en-US" dirty="0"/>
               <a:t>Problems during the work</a:t>
             </a:r>
             <a:endParaRPr lang="he-IL" dirty="0"/>
@@ -5183,8 +5133,28 @@
               <a:buChar char="•"/>
             </a:pPr>
             <a:r>
-              <a:rPr lang="en-US" dirty="0" smtClean="0"/>
-              <a:t>At first we wanted to combine Bootstrap with Django. We first did the design of the gui in with Bootstrap and then had problems to do the integration with Django. Eventually, we decided to use Flask. </a:t>
+              <a:rPr lang="en-US" dirty="0"/>
+              <a:t>At first we wanted using Django as a web framework. </a:t>
+            </a:r>
+          </a:p>
+          <a:p>
+            <a:pPr marL="342900" indent="-342900" algn="l" rtl="0">
+              <a:buFont typeface="Arial" panose="020B0604020202020204" pitchFamily="34" charset="0"/>
+              <a:buChar char="•"/>
+            </a:pPr>
+            <a:r>
+              <a:rPr lang="en-US" dirty="0"/>
+              <a:t>We encountered major problems to do the integration of our database and logic with Django. </a:t>
+            </a:r>
+          </a:p>
+          <a:p>
+            <a:pPr marL="342900" indent="-342900" algn="l" rtl="0">
+              <a:buFont typeface="Arial" panose="020B0604020202020204" pitchFamily="34" charset="0"/>
+              <a:buChar char="•"/>
+            </a:pPr>
+            <a:r>
+              <a:rPr lang="en-US" dirty="0"/>
+              <a:t>Eventually, we decided to use Flask. </a:t>
             </a:r>
           </a:p>
           <a:p>
@@ -5255,7 +5225,7 @@
           <a:lstStyle/>
           <a:p>
             <a:r>
-              <a:rPr lang="en-US" u="sng" dirty="0" smtClean="0"/>
+              <a:rPr lang="en-US" u="sng" dirty="0"/>
               <a:t>Testing</a:t>
             </a:r>
             <a:endParaRPr lang="he-IL" u="sng" dirty="0"/>
@@ -5287,8 +5257,15 @@
               <a:buChar char="•"/>
             </a:pPr>
             <a:r>
-              <a:rPr lang="en-US" dirty="0" smtClean="0"/>
-              <a:t>Wrote tests which get files with rooms.csv, employee.scv. We see what happens and which errors are thrown when some employees try to schedule rooms. We used Codecav and Travis for this goal.</a:t>
+              <a:rPr lang="en-US" dirty="0"/>
+              <a:t>Wrote tests which get files with rooms.csv, employee.scv. </a:t>
+            </a:r>
+            <a:br>
+              <a:rPr lang="en-US" dirty="0"/>
+            </a:br>
+            <a:r>
+              <a:rPr lang="en-US" dirty="0"/>
+              <a:t>We see what happens and which errors are thrown when some employees try to schedule rooms. We used Codecav and Travis for this goal.</a:t>
             </a:r>
           </a:p>
           <a:p>
@@ -5297,20 +5274,20 @@
               <a:buChar char="•"/>
             </a:pPr>
             <a:r>
-              <a:rPr lang="en-US" dirty="0" smtClean="0"/>
+              <a:rPr lang="en-US" dirty="0"/>
               <a:t>We checked manually the correctness of the gui.</a:t>
             </a:r>
           </a:p>
           <a:p>
             <a:pPr algn="l" rtl="0"/>
-            <a:endParaRPr lang="en-US" dirty="0" smtClean="0"/>
+            <a:endParaRPr lang="en-US" dirty="0"/>
           </a:p>
           <a:p>
             <a:pPr marL="342900" indent="-342900" algn="l" rtl="0">
               <a:buFont typeface="Arial" panose="020B0604020202020204" pitchFamily="34" charset="0"/>
               <a:buChar char="•"/>
             </a:pPr>
-            <a:endParaRPr lang="en-US" dirty="0" smtClean="0"/>
+            <a:endParaRPr lang="en-US" dirty="0"/>
           </a:p>
           <a:p>
             <a:pPr marL="342900" indent="-342900" algn="l" rtl="0">
@@ -5361,13 +5338,6 @@
   <p:clrMapOvr>
     <a:masterClrMapping/>
   </p:clrMapOvr>
-  <p:timing>
-    <p:tnLst>
-      <p:par>
-        <p:cTn id="1" dur="indefinite" restart="never" nodeType="tmRoot"/>
-      </p:par>
-    </p:tnLst>
-  </p:timing>
 </p:sld>
 </file>
 
@@ -5422,7 +5392,7 @@
           <a:lstStyle/>
           <a:p>
             <a:r>
-              <a:rPr lang="en-US" u="sng" dirty="0" smtClean="0"/>
+              <a:rPr lang="en-US" u="sng" dirty="0"/>
               <a:t>Error handling</a:t>
             </a:r>
             <a:endParaRPr lang="he-IL" u="sng" dirty="0"/>
@@ -5451,7 +5421,7 @@
           <a:p>
             <a:pPr algn="l" rtl="0"/>
             <a:r>
-              <a:rPr lang="en-US" dirty="0" smtClean="0"/>
+              <a:rPr lang="en-US" dirty="0"/>
               <a:t>Our program knows how to deal with errors. Some examples:</a:t>
             </a:r>
           </a:p>
@@ -5461,7 +5431,7 @@
               <a:buChar char="•"/>
             </a:pPr>
             <a:r>
-              <a:rPr lang="en-US" dirty="0" smtClean="0"/>
+              <a:rPr lang="en-US" dirty="0"/>
               <a:t>When the manager wants to search for id which doesn’t exist in the system, he gets a message: “id not existing”.</a:t>
             </a:r>
           </a:p>
@@ -5471,35 +5441,35 @@
               <a:buChar char="•"/>
             </a:pPr>
             <a:r>
-              <a:rPr lang="en-US" dirty="0" smtClean="0"/>
+              <a:rPr lang="en-US" dirty="0"/>
               <a:t>When manager insert file in incorrect structure he will get an announcement.</a:t>
             </a:r>
           </a:p>
           <a:p>
             <a:pPr algn="l" rtl="0"/>
             <a:r>
-              <a:rPr lang="en-US" dirty="0" smtClean="0"/>
+              <a:rPr lang="en-US" dirty="0"/>
               <a:t>we were very carful not to crush our program in a case of an error. </a:t>
             </a:r>
-            <a:endParaRPr lang="he-IL" dirty="0" smtClean="0"/>
+            <a:endParaRPr lang="he-IL" dirty="0"/>
           </a:p>
           <a:p>
             <a:pPr algn="l" rtl="0"/>
-            <a:endParaRPr lang="en-US" dirty="0" smtClean="0"/>
+            <a:endParaRPr lang="en-US" dirty="0"/>
           </a:p>
           <a:p>
             <a:pPr marL="342900" indent="-342900" algn="l" rtl="0">
               <a:buFont typeface="Arial" panose="020B0604020202020204" pitchFamily="34" charset="0"/>
               <a:buChar char="•"/>
             </a:pPr>
-            <a:endParaRPr lang="en-US" dirty="0" smtClean="0"/>
+            <a:endParaRPr lang="en-US" dirty="0"/>
           </a:p>
           <a:p>
             <a:pPr marL="342900" indent="-342900" algn="l" rtl="0">
               <a:buFont typeface="Arial" panose="020B0604020202020204" pitchFamily="34" charset="0"/>
               <a:buChar char="•"/>
             </a:pPr>
-            <a:endParaRPr lang="en-US" dirty="0" smtClean="0"/>
+            <a:endParaRPr lang="en-US" dirty="0"/>
           </a:p>
         </p:txBody>
       </p:sp>
@@ -5543,13 +5513,6 @@
   <p:clrMapOvr>
     <a:masterClrMapping/>
   </p:clrMapOvr>
-  <p:timing>
-    <p:tnLst>
-      <p:par>
-        <p:cTn id="1" dur="indefinite" restart="never" nodeType="tmRoot"/>
-      </p:par>
-    </p:tnLst>
-  </p:timing>
 </p:sld>
 </file>
 
